--- a/Publishments/03_Presentations/00_templates/160371-android-template-16x9.pptx
+++ b/Publishments/03_Presentations/00_templates/160371-android-template-16x9.pptx
@@ -127,6 +127,43 @@
 </p:presentation>
 </file>
 
+<file path=ppt/changesInfos/changesInfo1.xml><?xml version="1.0" encoding="utf-8"?>
+<pc:chgInfo xmlns:a="http://schemas.openxmlformats.org/drawingml/2006/main" xmlns:r="http://schemas.openxmlformats.org/officeDocument/2006/relationships" xmlns:ac="http://schemas.microsoft.com/office/drawing/2013/main/command" xmlns:pc="http://schemas.microsoft.com/office/powerpoint/2013/main/command">
+  <pc:docChgLst>
+    <pc:chgData name="Moritz Spiller" userId="ee7d68fad518d8d2" providerId="LiveId" clId="{69DC1DB7-35C5-485D-AD0B-5E207D2B09E6}"/>
+    <pc:docChg chg="modSld">
+      <pc:chgData name="Moritz Spiller" userId="ee7d68fad518d8d2" providerId="LiveId" clId="{69DC1DB7-35C5-485D-AD0B-5E207D2B09E6}" dt="2018-04-12T22:05:46.398" v="47" actId="20577"/>
+      <pc:docMkLst>
+        <pc:docMk/>
+      </pc:docMkLst>
+      <pc:sldChg chg="modSp">
+        <pc:chgData name="Moritz Spiller" userId="ee7d68fad518d8d2" providerId="LiveId" clId="{69DC1DB7-35C5-485D-AD0B-5E207D2B09E6}" dt="2018-04-12T22:05:46.398" v="47" actId="20577"/>
+        <pc:sldMkLst>
+          <pc:docMk/>
+          <pc:sldMk cId="363920370" sldId="256"/>
+        </pc:sldMkLst>
+        <pc:spChg chg="mod">
+          <ac:chgData name="Moritz Spiller" userId="ee7d68fad518d8d2" providerId="LiveId" clId="{69DC1DB7-35C5-485D-AD0B-5E207D2B09E6}" dt="2018-04-12T22:05:39.007" v="37" actId="20577"/>
+          <ac:spMkLst>
+            <pc:docMk/>
+            <pc:sldMk cId="363920370" sldId="256"/>
+            <ac:spMk id="2" creationId="{00000000-0000-0000-0000-000000000000}"/>
+          </ac:spMkLst>
+        </pc:spChg>
+        <pc:spChg chg="mod">
+          <ac:chgData name="Moritz Spiller" userId="ee7d68fad518d8d2" providerId="LiveId" clId="{69DC1DB7-35C5-485D-AD0B-5E207D2B09E6}" dt="2018-04-12T22:05:46.398" v="47" actId="20577"/>
+          <ac:spMkLst>
+            <pc:docMk/>
+            <pc:sldMk cId="363920370" sldId="256"/>
+            <ac:spMk id="3" creationId="{00000000-0000-0000-0000-000000000000}"/>
+          </ac:spMkLst>
+        </pc:spChg>
+      </pc:sldChg>
+    </pc:docChg>
+  </pc:docChgLst>
+</pc:chgInfo>
+</file>
+
 <file path=ppt/slideLayouts/slideLayout1.xml><?xml version="1.0" encoding="utf-8"?>
 <p:sldLayout xmlns:a="http://schemas.openxmlformats.org/drawingml/2006/main" xmlns:r="http://schemas.openxmlformats.org/officeDocument/2006/relationships" xmlns:p="http://schemas.openxmlformats.org/presentationml/2006/main" type="title" preserve="1">
   <p:cSld name="Title Slide">
@@ -197,17 +234,16 @@
           </a:lstStyle>
           <a:p>
             <a:r>
-              <a:rPr lang="en-US" dirty="0" smtClean="0"/>
+              <a:rPr lang="en-US" dirty="0"/>
               <a:t>Click to edit </a:t>
             </a:r>
             <a:br>
-              <a:rPr lang="en-US" dirty="0" smtClean="0"/>
+              <a:rPr lang="en-US" dirty="0"/>
             </a:br>
             <a:r>
-              <a:rPr lang="en-US" dirty="0" smtClean="0"/>
+              <a:rPr lang="en-US" dirty="0"/>
               <a:t>Master title style</a:t>
             </a:r>
-            <a:endParaRPr lang="en-US" dirty="0"/>
           </a:p>
         </p:txBody>
       </p:sp>
@@ -324,10 +360,9 @@
           </a:lstStyle>
           <a:p>
             <a:r>
-              <a:rPr lang="en-US" dirty="0" smtClean="0"/>
+              <a:rPr lang="en-US" dirty="0"/>
               <a:t>Click to edit Master subtitle style</a:t>
             </a:r>
-            <a:endParaRPr lang="en-US" dirty="0"/>
           </a:p>
         </p:txBody>
       </p:sp>
@@ -349,7 +384,7 @@
             <a:fld id="{53074F12-AA26-4AC8-9962-C36BB8F32554}" type="datetimeFigureOut">
               <a:rPr lang="en-US" smtClean="0"/>
               <a:pPr/>
-              <a:t>1/24/2018</a:t>
+              <a:t>4/13/2018</a:t>
             </a:fld>
             <a:endParaRPr lang="en-US"/>
           </a:p>
@@ -392,7 +427,7 @@
             <a:fld id="{B82CCC60-E8CD-4174-8B1A-7DF615B22EEF}" type="slidenum">
               <a:rPr lang="en-US" smtClean="0"/>
               <a:pPr/>
-              <a:t>‹#›</a:t>
+              <a:t>‹Nr.›</a:t>
             </a:fld>
             <a:endParaRPr lang="en-US"/>
           </a:p>
@@ -453,10 +488,9 @@
           </a:lstStyle>
           <a:p>
             <a:r>
-              <a:rPr lang="en-US" smtClean="0"/>
+              <a:rPr lang="en-US"/>
               <a:t>Click to edit Master title style</a:t>
             </a:r>
-            <a:endParaRPr lang="en-US"/>
           </a:p>
         </p:txBody>
       </p:sp>
@@ -580,7 +614,7 @@
           <a:p>
             <a:pPr lvl="0"/>
             <a:r>
-              <a:rPr lang="en-US" smtClean="0"/>
+              <a:rPr lang="en-US"/>
               <a:t>Click to edit Master text styles</a:t>
             </a:r>
           </a:p>
@@ -604,7 +638,7 @@
             <a:fld id="{53074F12-AA26-4AC8-9962-C36BB8F32554}" type="datetimeFigureOut">
               <a:rPr lang="en-US" smtClean="0"/>
               <a:pPr/>
-              <a:t>1/24/2018</a:t>
+              <a:t>4/13/2018</a:t>
             </a:fld>
             <a:endParaRPr lang="en-US"/>
           </a:p>
@@ -647,7 +681,7 @@
             <a:fld id="{B82CCC60-E8CD-4174-8B1A-7DF615B22EEF}" type="slidenum">
               <a:rPr lang="en-US" smtClean="0"/>
               <a:pPr/>
-              <a:t>‹#›</a:t>
+              <a:t>‹Nr.›</a:t>
             </a:fld>
             <a:endParaRPr lang="en-US"/>
           </a:p>
@@ -699,10 +733,9 @@
           <a:lstStyle/>
           <a:p>
             <a:r>
-              <a:rPr lang="en-US" smtClean="0"/>
+              <a:rPr lang="en-US"/>
               <a:t>Click to edit Master title style</a:t>
             </a:r>
-            <a:endParaRPr lang="en-US"/>
           </a:p>
         </p:txBody>
       </p:sp>
@@ -723,38 +756,37 @@
           <a:p>
             <a:pPr lvl="0"/>
             <a:r>
-              <a:rPr lang="en-US" smtClean="0"/>
+              <a:rPr lang="en-US"/>
               <a:t>Click to edit Master text styles</a:t>
             </a:r>
           </a:p>
           <a:p>
             <a:pPr lvl="1"/>
             <a:r>
-              <a:rPr lang="en-US" smtClean="0"/>
+              <a:rPr lang="en-US"/>
               <a:t>Second level</a:t>
             </a:r>
           </a:p>
           <a:p>
             <a:pPr lvl="2"/>
             <a:r>
-              <a:rPr lang="en-US" smtClean="0"/>
+              <a:rPr lang="en-US"/>
               <a:t>Third level</a:t>
             </a:r>
           </a:p>
           <a:p>
             <a:pPr lvl="3"/>
             <a:r>
-              <a:rPr lang="en-US" smtClean="0"/>
+              <a:rPr lang="en-US"/>
               <a:t>Fourth level</a:t>
             </a:r>
           </a:p>
           <a:p>
             <a:pPr lvl="4"/>
             <a:r>
-              <a:rPr lang="en-US" smtClean="0"/>
+              <a:rPr lang="en-US"/>
               <a:t>Fifth level</a:t>
             </a:r>
-            <a:endParaRPr lang="en-US"/>
           </a:p>
         </p:txBody>
       </p:sp>
@@ -776,7 +808,7 @@
             <a:fld id="{53074F12-AA26-4AC8-9962-C36BB8F32554}" type="datetimeFigureOut">
               <a:rPr lang="en-US" smtClean="0"/>
               <a:pPr/>
-              <a:t>1/24/2018</a:t>
+              <a:t>4/13/2018</a:t>
             </a:fld>
             <a:endParaRPr lang="en-US"/>
           </a:p>
@@ -819,7 +851,7 @@
             <a:fld id="{B82CCC60-E8CD-4174-8B1A-7DF615B22EEF}" type="slidenum">
               <a:rPr lang="en-US" smtClean="0"/>
               <a:pPr/>
-              <a:t>‹#›</a:t>
+              <a:t>‹Nr.›</a:t>
             </a:fld>
             <a:endParaRPr lang="en-US"/>
           </a:p>
@@ -876,10 +908,9 @@
           <a:lstStyle/>
           <a:p>
             <a:r>
-              <a:rPr lang="en-US" smtClean="0"/>
+              <a:rPr lang="en-US"/>
               <a:t>Click to edit Master title style</a:t>
             </a:r>
-            <a:endParaRPr lang="en-US"/>
           </a:p>
         </p:txBody>
       </p:sp>
@@ -905,38 +936,37 @@
           <a:p>
             <a:pPr lvl="0"/>
             <a:r>
-              <a:rPr lang="en-US" smtClean="0"/>
+              <a:rPr lang="en-US"/>
               <a:t>Click to edit Master text styles</a:t>
             </a:r>
           </a:p>
           <a:p>
             <a:pPr lvl="1"/>
             <a:r>
-              <a:rPr lang="en-US" smtClean="0"/>
+              <a:rPr lang="en-US"/>
               <a:t>Second level</a:t>
             </a:r>
           </a:p>
           <a:p>
             <a:pPr lvl="2"/>
             <a:r>
-              <a:rPr lang="en-US" smtClean="0"/>
+              <a:rPr lang="en-US"/>
               <a:t>Third level</a:t>
             </a:r>
           </a:p>
           <a:p>
             <a:pPr lvl="3"/>
             <a:r>
-              <a:rPr lang="en-US" smtClean="0"/>
+              <a:rPr lang="en-US"/>
               <a:t>Fourth level</a:t>
             </a:r>
           </a:p>
           <a:p>
             <a:pPr lvl="4"/>
             <a:r>
-              <a:rPr lang="en-US" smtClean="0"/>
+              <a:rPr lang="en-US"/>
               <a:t>Fifth level</a:t>
             </a:r>
-            <a:endParaRPr lang="en-US"/>
           </a:p>
         </p:txBody>
       </p:sp>
@@ -958,7 +988,7 @@
             <a:fld id="{53074F12-AA26-4AC8-9962-C36BB8F32554}" type="datetimeFigureOut">
               <a:rPr lang="en-US" smtClean="0"/>
               <a:pPr/>
-              <a:t>1/24/2018</a:t>
+              <a:t>4/13/2018</a:t>
             </a:fld>
             <a:endParaRPr lang="en-US"/>
           </a:p>
@@ -1001,7 +1031,7 @@
             <a:fld id="{B82CCC60-E8CD-4174-8B1A-7DF615B22EEF}" type="slidenum">
               <a:rPr lang="en-US" smtClean="0"/>
               <a:pPr/>
-              <a:t>‹#›</a:t>
+              <a:t>‹Nr.›</a:t>
             </a:fld>
             <a:endParaRPr lang="en-US"/>
           </a:p>
@@ -1075,10 +1105,9 @@
           </a:lstStyle>
           <a:p>
             <a:r>
-              <a:rPr lang="en-US" dirty="0" smtClean="0"/>
+              <a:rPr lang="en-US" dirty="0"/>
               <a:t>Click to edit Master title style</a:t>
             </a:r>
-            <a:endParaRPr lang="en-US" dirty="0"/>
           </a:p>
         </p:txBody>
       </p:sp>
@@ -1140,38 +1169,37 @@
           <a:p>
             <a:pPr lvl="0"/>
             <a:r>
-              <a:rPr lang="en-US" dirty="0" smtClean="0"/>
+              <a:rPr lang="en-US" dirty="0"/>
               <a:t>Click to edit Master text styles</a:t>
             </a:r>
           </a:p>
           <a:p>
             <a:pPr lvl="1"/>
             <a:r>
-              <a:rPr lang="en-US" dirty="0" smtClean="0"/>
+              <a:rPr lang="en-US" dirty="0"/>
               <a:t>Second level</a:t>
             </a:r>
           </a:p>
           <a:p>
             <a:pPr lvl="2"/>
             <a:r>
-              <a:rPr lang="en-US" dirty="0" smtClean="0"/>
+              <a:rPr lang="en-US" dirty="0"/>
               <a:t>Third level</a:t>
             </a:r>
           </a:p>
           <a:p>
             <a:pPr lvl="3"/>
             <a:r>
-              <a:rPr lang="en-US" dirty="0" smtClean="0"/>
+              <a:rPr lang="en-US" dirty="0"/>
               <a:t>Fourth level</a:t>
             </a:r>
           </a:p>
           <a:p>
             <a:pPr lvl="4"/>
             <a:r>
-              <a:rPr lang="en-US" dirty="0" smtClean="0"/>
+              <a:rPr lang="en-US" dirty="0"/>
               <a:t>Fifth level</a:t>
             </a:r>
-            <a:endParaRPr lang="en-US" dirty="0"/>
           </a:p>
         </p:txBody>
       </p:sp>
@@ -1193,7 +1221,7 @@
             <a:fld id="{53074F12-AA26-4AC8-9962-C36BB8F32554}" type="datetimeFigureOut">
               <a:rPr lang="en-US" smtClean="0"/>
               <a:pPr/>
-              <a:t>1/24/2018</a:t>
+              <a:t>4/13/2018</a:t>
             </a:fld>
             <a:endParaRPr lang="en-US"/>
           </a:p>
@@ -1236,7 +1264,7 @@
             <a:fld id="{B82CCC60-E8CD-4174-8B1A-7DF615B22EEF}" type="slidenum">
               <a:rPr lang="en-US" smtClean="0"/>
               <a:pPr/>
-              <a:t>‹#›</a:t>
+              <a:t>‹Nr.›</a:t>
             </a:fld>
             <a:endParaRPr lang="en-US"/>
           </a:p>
@@ -1324,10 +1352,9 @@
           </a:lstStyle>
           <a:p>
             <a:r>
-              <a:rPr lang="en-US" dirty="0" smtClean="0"/>
+              <a:rPr lang="en-US" dirty="0"/>
               <a:t>Click to edit Master title style</a:t>
             </a:r>
-            <a:endParaRPr lang="en-US" dirty="0"/>
           </a:p>
         </p:txBody>
       </p:sp>
@@ -1389,38 +1416,37 @@
           <a:p>
             <a:pPr lvl="0"/>
             <a:r>
-              <a:rPr lang="en-US" dirty="0" smtClean="0"/>
+              <a:rPr lang="en-US" dirty="0"/>
               <a:t>Click to edit Master text styles</a:t>
             </a:r>
           </a:p>
           <a:p>
             <a:pPr lvl="1"/>
             <a:r>
-              <a:rPr lang="en-US" dirty="0" smtClean="0"/>
+              <a:rPr lang="en-US" dirty="0"/>
               <a:t>Second level</a:t>
             </a:r>
           </a:p>
           <a:p>
             <a:pPr lvl="2"/>
             <a:r>
-              <a:rPr lang="en-US" dirty="0" smtClean="0"/>
+              <a:rPr lang="en-US" dirty="0"/>
               <a:t>Third level</a:t>
             </a:r>
           </a:p>
           <a:p>
             <a:pPr lvl="3"/>
             <a:r>
-              <a:rPr lang="en-US" dirty="0" smtClean="0"/>
+              <a:rPr lang="en-US" dirty="0"/>
               <a:t>Fourth level</a:t>
             </a:r>
           </a:p>
           <a:p>
             <a:pPr lvl="4"/>
             <a:r>
-              <a:rPr lang="en-US" dirty="0" smtClean="0"/>
+              <a:rPr lang="en-US" dirty="0"/>
               <a:t>Fifth level</a:t>
             </a:r>
-            <a:endParaRPr lang="en-US" dirty="0"/>
           </a:p>
         </p:txBody>
       </p:sp>
@@ -1442,7 +1468,7 @@
             <a:fld id="{53074F12-AA26-4AC8-9962-C36BB8F32554}" type="datetimeFigureOut">
               <a:rPr lang="en-US" smtClean="0"/>
               <a:pPr/>
-              <a:t>1/24/2018</a:t>
+              <a:t>4/13/2018</a:t>
             </a:fld>
             <a:endParaRPr lang="en-US"/>
           </a:p>
@@ -1485,7 +1511,7 @@
             <a:fld id="{B82CCC60-E8CD-4174-8B1A-7DF615B22EEF}" type="slidenum">
               <a:rPr lang="en-US" smtClean="0"/>
               <a:pPr/>
-              <a:t>‹#›</a:t>
+              <a:t>‹Nr.›</a:t>
             </a:fld>
             <a:endParaRPr lang="en-US"/>
           </a:p>
@@ -1546,10 +1572,9 @@
           </a:lstStyle>
           <a:p>
             <a:r>
-              <a:rPr lang="en-US" smtClean="0"/>
+              <a:rPr lang="en-US"/>
               <a:t>Click to edit Master title style</a:t>
             </a:r>
-            <a:endParaRPr lang="en-US"/>
           </a:p>
         </p:txBody>
       </p:sp>
@@ -1666,7 +1691,7 @@
           <a:p>
             <a:pPr lvl="0"/>
             <a:r>
-              <a:rPr lang="en-US" smtClean="0"/>
+              <a:rPr lang="en-US"/>
               <a:t>Click to edit Master text styles</a:t>
             </a:r>
           </a:p>
@@ -1690,7 +1715,7 @@
             <a:fld id="{53074F12-AA26-4AC8-9962-C36BB8F32554}" type="datetimeFigureOut">
               <a:rPr lang="en-US" smtClean="0"/>
               <a:pPr/>
-              <a:t>1/24/2018</a:t>
+              <a:t>4/13/2018</a:t>
             </a:fld>
             <a:endParaRPr lang="en-US"/>
           </a:p>
@@ -1733,7 +1758,7 @@
             <a:fld id="{B82CCC60-E8CD-4174-8B1A-7DF615B22EEF}" type="slidenum">
               <a:rPr lang="en-US" smtClean="0"/>
               <a:pPr/>
-              <a:t>‹#›</a:t>
+              <a:t>‹Nr.›</a:t>
             </a:fld>
             <a:endParaRPr lang="en-US"/>
           </a:p>
@@ -1785,10 +1810,9 @@
           <a:lstStyle/>
           <a:p>
             <a:r>
-              <a:rPr lang="en-US" smtClean="0"/>
+              <a:rPr lang="en-US"/>
               <a:t>Click to edit Master title style</a:t>
             </a:r>
-            <a:endParaRPr lang="en-US"/>
           </a:p>
         </p:txBody>
       </p:sp>
@@ -1842,38 +1866,37 @@
           <a:p>
             <a:pPr lvl="0"/>
             <a:r>
-              <a:rPr lang="en-US" smtClean="0"/>
+              <a:rPr lang="en-US"/>
               <a:t>Click to edit Master text styles</a:t>
             </a:r>
           </a:p>
           <a:p>
             <a:pPr lvl="1"/>
             <a:r>
-              <a:rPr lang="en-US" smtClean="0"/>
+              <a:rPr lang="en-US"/>
               <a:t>Second level</a:t>
             </a:r>
           </a:p>
           <a:p>
             <a:pPr lvl="2"/>
             <a:r>
-              <a:rPr lang="en-US" smtClean="0"/>
+              <a:rPr lang="en-US"/>
               <a:t>Third level</a:t>
             </a:r>
           </a:p>
           <a:p>
             <a:pPr lvl="3"/>
             <a:r>
-              <a:rPr lang="en-US" smtClean="0"/>
+              <a:rPr lang="en-US"/>
               <a:t>Fourth level</a:t>
             </a:r>
           </a:p>
           <a:p>
             <a:pPr lvl="4"/>
             <a:r>
-              <a:rPr lang="en-US" smtClean="0"/>
+              <a:rPr lang="en-US"/>
               <a:t>Fifth level</a:t>
             </a:r>
-            <a:endParaRPr lang="en-US"/>
           </a:p>
         </p:txBody>
       </p:sp>
@@ -1927,38 +1950,37 @@
           <a:p>
             <a:pPr lvl="0"/>
             <a:r>
-              <a:rPr lang="en-US" smtClean="0"/>
+              <a:rPr lang="en-US"/>
               <a:t>Click to edit Master text styles</a:t>
             </a:r>
           </a:p>
           <a:p>
             <a:pPr lvl="1"/>
             <a:r>
-              <a:rPr lang="en-US" smtClean="0"/>
+              <a:rPr lang="en-US"/>
               <a:t>Second level</a:t>
             </a:r>
           </a:p>
           <a:p>
             <a:pPr lvl="2"/>
             <a:r>
-              <a:rPr lang="en-US" smtClean="0"/>
+              <a:rPr lang="en-US"/>
               <a:t>Third level</a:t>
             </a:r>
           </a:p>
           <a:p>
             <a:pPr lvl="3"/>
             <a:r>
-              <a:rPr lang="en-US" smtClean="0"/>
+              <a:rPr lang="en-US"/>
               <a:t>Fourth level</a:t>
             </a:r>
           </a:p>
           <a:p>
             <a:pPr lvl="4"/>
             <a:r>
-              <a:rPr lang="en-US" smtClean="0"/>
+              <a:rPr lang="en-US"/>
               <a:t>Fifth level</a:t>
             </a:r>
-            <a:endParaRPr lang="en-US"/>
           </a:p>
         </p:txBody>
       </p:sp>
@@ -1980,7 +2002,7 @@
             <a:fld id="{53074F12-AA26-4AC8-9962-C36BB8F32554}" type="datetimeFigureOut">
               <a:rPr lang="en-US" smtClean="0"/>
               <a:pPr/>
-              <a:t>1/24/2018</a:t>
+              <a:t>4/13/2018</a:t>
             </a:fld>
             <a:endParaRPr lang="en-US"/>
           </a:p>
@@ -2023,7 +2045,7 @@
             <a:fld id="{B82CCC60-E8CD-4174-8B1A-7DF615B22EEF}" type="slidenum">
               <a:rPr lang="en-US" smtClean="0"/>
               <a:pPr/>
-              <a:t>‹#›</a:t>
+              <a:t>‹Nr.›</a:t>
             </a:fld>
             <a:endParaRPr lang="en-US"/>
           </a:p>
@@ -2097,10 +2119,9 @@
           </a:lstStyle>
           <a:p>
             <a:r>
-              <a:rPr lang="en-US" dirty="0" smtClean="0"/>
+              <a:rPr lang="en-US" dirty="0"/>
               <a:t>Click to edit Master title style</a:t>
             </a:r>
-            <a:endParaRPr lang="en-US" dirty="0"/>
           </a:p>
         </p:txBody>
       </p:sp>
@@ -2167,7 +2188,7 @@
           <a:p>
             <a:pPr lvl="0"/>
             <a:r>
-              <a:rPr lang="en-US" dirty="0" smtClean="0"/>
+              <a:rPr lang="en-US" dirty="0"/>
               <a:t>Click to edit Master text styles</a:t>
             </a:r>
           </a:p>
@@ -2243,38 +2264,37 @@
           <a:p>
             <a:pPr lvl="0"/>
             <a:r>
-              <a:rPr lang="en-US" dirty="0" smtClean="0"/>
+              <a:rPr lang="en-US" dirty="0"/>
               <a:t>Click to edit Master text styles</a:t>
             </a:r>
           </a:p>
           <a:p>
             <a:pPr lvl="1"/>
             <a:r>
-              <a:rPr lang="en-US" dirty="0" smtClean="0"/>
+              <a:rPr lang="en-US" dirty="0"/>
               <a:t>Second level</a:t>
             </a:r>
           </a:p>
           <a:p>
             <a:pPr lvl="2"/>
             <a:r>
-              <a:rPr lang="en-US" dirty="0" smtClean="0"/>
+              <a:rPr lang="en-US" dirty="0"/>
               <a:t>Third level</a:t>
             </a:r>
           </a:p>
           <a:p>
             <a:pPr lvl="3"/>
             <a:r>
-              <a:rPr lang="en-US" dirty="0" smtClean="0"/>
+              <a:rPr lang="en-US" dirty="0"/>
               <a:t>Fourth level</a:t>
             </a:r>
           </a:p>
           <a:p>
             <a:pPr lvl="4"/>
             <a:r>
-              <a:rPr lang="en-US" dirty="0" smtClean="0"/>
+              <a:rPr lang="en-US" dirty="0"/>
               <a:t>Fifth level</a:t>
             </a:r>
-            <a:endParaRPr lang="en-US" dirty="0"/>
           </a:p>
         </p:txBody>
       </p:sp>
@@ -2341,7 +2361,7 @@
           <a:p>
             <a:pPr lvl="0"/>
             <a:r>
-              <a:rPr lang="en-US" dirty="0" smtClean="0"/>
+              <a:rPr lang="en-US" dirty="0"/>
               <a:t>Click to edit Master text styles</a:t>
             </a:r>
           </a:p>
@@ -2417,38 +2437,37 @@
           <a:p>
             <a:pPr lvl="0"/>
             <a:r>
-              <a:rPr lang="en-US" dirty="0" smtClean="0"/>
+              <a:rPr lang="en-US" dirty="0"/>
               <a:t>Click to edit Master text styles</a:t>
             </a:r>
           </a:p>
           <a:p>
             <a:pPr lvl="1"/>
             <a:r>
-              <a:rPr lang="en-US" dirty="0" smtClean="0"/>
+              <a:rPr lang="en-US" dirty="0"/>
               <a:t>Second level</a:t>
             </a:r>
           </a:p>
           <a:p>
             <a:pPr lvl="2"/>
             <a:r>
-              <a:rPr lang="en-US" dirty="0" smtClean="0"/>
+              <a:rPr lang="en-US" dirty="0"/>
               <a:t>Third level</a:t>
             </a:r>
           </a:p>
           <a:p>
             <a:pPr lvl="3"/>
             <a:r>
-              <a:rPr lang="en-US" dirty="0" smtClean="0"/>
+              <a:rPr lang="en-US" dirty="0"/>
               <a:t>Fourth level</a:t>
             </a:r>
           </a:p>
           <a:p>
             <a:pPr lvl="4"/>
             <a:r>
-              <a:rPr lang="en-US" dirty="0" smtClean="0"/>
+              <a:rPr lang="en-US" dirty="0"/>
               <a:t>Fifth level</a:t>
             </a:r>
-            <a:endParaRPr lang="en-US" dirty="0"/>
           </a:p>
         </p:txBody>
       </p:sp>
@@ -2470,7 +2489,7 @@
             <a:fld id="{53074F12-AA26-4AC8-9962-C36BB8F32554}" type="datetimeFigureOut">
               <a:rPr lang="en-US" smtClean="0"/>
               <a:pPr/>
-              <a:t>1/24/2018</a:t>
+              <a:t>4/13/2018</a:t>
             </a:fld>
             <a:endParaRPr lang="en-US"/>
           </a:p>
@@ -2513,7 +2532,7 @@
             <a:fld id="{B82CCC60-E8CD-4174-8B1A-7DF615B22EEF}" type="slidenum">
               <a:rPr lang="en-US" smtClean="0"/>
               <a:pPr/>
-              <a:t>‹#›</a:t>
+              <a:t>‹Nr.›</a:t>
             </a:fld>
             <a:endParaRPr lang="en-US"/>
           </a:p>
@@ -2565,10 +2584,9 @@
           <a:lstStyle/>
           <a:p>
             <a:r>
-              <a:rPr lang="en-US" smtClean="0"/>
+              <a:rPr lang="en-US"/>
               <a:t>Click to edit Master title style</a:t>
             </a:r>
-            <a:endParaRPr lang="en-US"/>
           </a:p>
         </p:txBody>
       </p:sp>
@@ -2590,7 +2608,7 @@
             <a:fld id="{53074F12-AA26-4AC8-9962-C36BB8F32554}" type="datetimeFigureOut">
               <a:rPr lang="en-US" smtClean="0"/>
               <a:pPr/>
-              <a:t>1/24/2018</a:t>
+              <a:t>4/13/2018</a:t>
             </a:fld>
             <a:endParaRPr lang="en-US"/>
           </a:p>
@@ -2633,7 +2651,7 @@
             <a:fld id="{B82CCC60-E8CD-4174-8B1A-7DF615B22EEF}" type="slidenum">
               <a:rPr lang="en-US" smtClean="0"/>
               <a:pPr/>
-              <a:t>‹#›</a:t>
+              <a:t>‹Nr.›</a:t>
             </a:fld>
             <a:endParaRPr lang="en-US"/>
           </a:p>
@@ -2687,7 +2705,7 @@
             <a:fld id="{53074F12-AA26-4AC8-9962-C36BB8F32554}" type="datetimeFigureOut">
               <a:rPr lang="en-US" smtClean="0"/>
               <a:pPr/>
-              <a:t>1/24/2018</a:t>
+              <a:t>4/13/2018</a:t>
             </a:fld>
             <a:endParaRPr lang="en-US"/>
           </a:p>
@@ -2730,7 +2748,7 @@
             <a:fld id="{B82CCC60-E8CD-4174-8B1A-7DF615B22EEF}" type="slidenum">
               <a:rPr lang="en-US" smtClean="0"/>
               <a:pPr/>
-              <a:t>‹#›</a:t>
+              <a:t>‹Nr.›</a:t>
             </a:fld>
             <a:endParaRPr lang="en-US"/>
           </a:p>
@@ -2791,10 +2809,9 @@
           </a:lstStyle>
           <a:p>
             <a:r>
-              <a:rPr lang="en-US" smtClean="0"/>
+              <a:rPr lang="en-US"/>
               <a:t>Click to edit Master title style</a:t>
             </a:r>
-            <a:endParaRPr lang="en-US"/>
           </a:p>
         </p:txBody>
       </p:sp>
@@ -2848,38 +2865,37 @@
           <a:p>
             <a:pPr lvl="0"/>
             <a:r>
-              <a:rPr lang="en-US" smtClean="0"/>
+              <a:rPr lang="en-US"/>
               <a:t>Click to edit Master text styles</a:t>
             </a:r>
           </a:p>
           <a:p>
             <a:pPr lvl="1"/>
             <a:r>
-              <a:rPr lang="en-US" smtClean="0"/>
+              <a:rPr lang="en-US"/>
               <a:t>Second level</a:t>
             </a:r>
           </a:p>
           <a:p>
             <a:pPr lvl="2"/>
             <a:r>
-              <a:rPr lang="en-US" smtClean="0"/>
+              <a:rPr lang="en-US"/>
               <a:t>Third level</a:t>
             </a:r>
           </a:p>
           <a:p>
             <a:pPr lvl="3"/>
             <a:r>
-              <a:rPr lang="en-US" smtClean="0"/>
+              <a:rPr lang="en-US"/>
               <a:t>Fourth level</a:t>
             </a:r>
           </a:p>
           <a:p>
             <a:pPr lvl="4"/>
             <a:r>
-              <a:rPr lang="en-US" smtClean="0"/>
+              <a:rPr lang="en-US"/>
               <a:t>Fifth level</a:t>
             </a:r>
-            <a:endParaRPr lang="en-US"/>
           </a:p>
         </p:txBody>
       </p:sp>
@@ -2942,7 +2958,7 @@
           <a:p>
             <a:pPr lvl="0"/>
             <a:r>
-              <a:rPr lang="en-US" smtClean="0"/>
+              <a:rPr lang="en-US"/>
               <a:t>Click to edit Master text styles</a:t>
             </a:r>
           </a:p>
@@ -2966,7 +2982,7 @@
             <a:fld id="{53074F12-AA26-4AC8-9962-C36BB8F32554}" type="datetimeFigureOut">
               <a:rPr lang="en-US" smtClean="0"/>
               <a:pPr/>
-              <a:t>1/24/2018</a:t>
+              <a:t>4/13/2018</a:t>
             </a:fld>
             <a:endParaRPr lang="en-US"/>
           </a:p>
@@ -3009,7 +3025,7 @@
             <a:fld id="{B82CCC60-E8CD-4174-8B1A-7DF615B22EEF}" type="slidenum">
               <a:rPr lang="en-US" smtClean="0"/>
               <a:pPr/>
-              <a:t>‹#›</a:t>
+              <a:t>‹Nr.›</a:t>
             </a:fld>
             <a:endParaRPr lang="en-US"/>
           </a:p>
@@ -3085,10 +3101,9 @@
           <a:lstStyle/>
           <a:p>
             <a:r>
-              <a:rPr lang="en-US" smtClean="0"/>
+              <a:rPr lang="en-US"/>
               <a:t>Click to edit Master title style</a:t>
             </a:r>
-            <a:endParaRPr lang="en-US"/>
           </a:p>
         </p:txBody>
       </p:sp>
@@ -3119,38 +3134,37 @@
           <a:p>
             <a:pPr lvl="0"/>
             <a:r>
-              <a:rPr lang="en-US" smtClean="0"/>
+              <a:rPr lang="en-US"/>
               <a:t>Click to edit Master text styles</a:t>
             </a:r>
           </a:p>
           <a:p>
             <a:pPr lvl="1"/>
             <a:r>
-              <a:rPr lang="en-US" smtClean="0"/>
+              <a:rPr lang="en-US"/>
               <a:t>Second level</a:t>
             </a:r>
           </a:p>
           <a:p>
             <a:pPr lvl="2"/>
             <a:r>
-              <a:rPr lang="en-US" smtClean="0"/>
+              <a:rPr lang="en-US"/>
               <a:t>Third level</a:t>
             </a:r>
           </a:p>
           <a:p>
             <a:pPr lvl="3"/>
             <a:r>
-              <a:rPr lang="en-US" smtClean="0"/>
+              <a:rPr lang="en-US"/>
               <a:t>Fourth level</a:t>
             </a:r>
           </a:p>
           <a:p>
             <a:pPr lvl="4"/>
             <a:r>
-              <a:rPr lang="en-US" smtClean="0"/>
+              <a:rPr lang="en-US"/>
               <a:t>Fifth level</a:t>
             </a:r>
-            <a:endParaRPr lang="en-US"/>
           </a:p>
         </p:txBody>
       </p:sp>
@@ -3190,7 +3204,7 @@
             <a:fld id="{53074F12-AA26-4AC8-9962-C36BB8F32554}" type="datetimeFigureOut">
               <a:rPr lang="en-US" smtClean="0"/>
               <a:pPr/>
-              <a:t>1/24/2018</a:t>
+              <a:t>4/13/2018</a:t>
             </a:fld>
             <a:endParaRPr lang="en-US"/>
           </a:p>
@@ -3269,7 +3283,7 @@
             <a:fld id="{B82CCC60-E8CD-4174-8B1A-7DF615B22EEF}" type="slidenum">
               <a:rPr lang="en-US" smtClean="0"/>
               <a:pPr/>
-              <a:t>‹#›</a:t>
+              <a:t>‹Nr.›</a:t>
             </a:fld>
             <a:endParaRPr lang="en-US"/>
           </a:p>
@@ -3582,18 +3596,13 @@
           <a:bodyPr/>
           <a:lstStyle/>
           <a:p>
-            <a:r>
-              <a:rPr lang="en-US" smtClean="0"/>
-              <a:t>Click to edit </a:t>
-            </a:r>
             <a:br>
-              <a:rPr lang="en-US" smtClean="0"/>
+              <a:rPr lang="en-US" dirty="0"/>
             </a:br>
             <a:r>
-              <a:rPr lang="en-US" smtClean="0"/>
-              <a:t>Master title style</a:t>
-            </a:r>
-            <a:endParaRPr lang="en-US" dirty="0"/>
+              <a:rPr lang="en-US" dirty="0"/>
+              <a:t>Team Presentation</a:t>
+            </a:r>
           </a:p>
         </p:txBody>
       </p:sp>
@@ -3613,8 +3622,8 @@
           <a:lstStyle/>
           <a:p>
             <a:r>
-              <a:rPr lang="en-US" smtClean="0"/>
-              <a:t>FPPT.com</a:t>
+              <a:rPr lang="en-US" dirty="0" err="1"/>
+              <a:t>CurryWurst</a:t>
             </a:r>
             <a:endParaRPr lang="en-US" dirty="0"/>
           </a:p>
@@ -3666,7 +3675,7 @@
           <a:lstStyle/>
           <a:p>
             <a:r>
-              <a:rPr lang="en-US" smtClean="0"/>
+              <a:rPr lang="en-US"/>
               <a:t>Slide Title</a:t>
             </a:r>
             <a:endParaRPr lang="en-US" dirty="0"/>
@@ -3689,30 +3698,30 @@
           <a:lstStyle/>
           <a:p>
             <a:r>
-              <a:rPr lang="en-US" smtClean="0"/>
+              <a:rPr lang="en-US"/>
               <a:t>Make Effective Presentations</a:t>
             </a:r>
           </a:p>
           <a:p>
             <a:r>
-              <a:rPr lang="en-US" smtClean="0"/>
+              <a:rPr lang="en-US"/>
               <a:t>Using Awesome Backgrounds</a:t>
             </a:r>
           </a:p>
           <a:p>
             <a:r>
-              <a:rPr lang="en-US" smtClean="0"/>
+              <a:rPr lang="en-US"/>
               <a:t>Engage your Audience</a:t>
             </a:r>
           </a:p>
           <a:p>
             <a:r>
-              <a:rPr lang="en-US" smtClean="0"/>
+              <a:rPr lang="en-US"/>
               <a:t>Capture Audience Attention</a:t>
             </a:r>
           </a:p>
           <a:p>
-            <a:endParaRPr lang="en-US" smtClean="0"/>
+            <a:endParaRPr lang="en-US"/>
           </a:p>
           <a:p>
             <a:endParaRPr lang="en-US" dirty="0"/>
@@ -3767,7 +3776,7 @@
           <a:lstStyle/>
           <a:p>
             <a:r>
-              <a:rPr lang="en-US" smtClean="0"/>
+              <a:rPr lang="en-US"/>
               <a:t>Slide Title</a:t>
             </a:r>
             <a:endParaRPr lang="en-US" dirty="0"/>
@@ -3790,28 +3799,28 @@
           <a:lstStyle/>
           <a:p>
             <a:r>
-              <a:rPr lang="en-US" smtClean="0"/>
+              <a:rPr lang="en-US"/>
               <a:t>Make Effective Presentations</a:t>
             </a:r>
           </a:p>
           <a:p>
             <a:r>
-              <a:rPr lang="en-US" smtClean="0"/>
+              <a:rPr lang="en-US"/>
               <a:t>Using Awesome Backgrounds</a:t>
             </a:r>
           </a:p>
           <a:p>
             <a:r>
-              <a:rPr lang="en-US" smtClean="0"/>
+              <a:rPr lang="en-US"/>
               <a:t>Engage your Audience</a:t>
             </a:r>
           </a:p>
           <a:p>
             <a:r>
-              <a:rPr lang="en-US" smtClean="0"/>
+              <a:rPr lang="en-US"/>
               <a:t>Capture Audience Attention</a:t>
             </a:r>
-            <a:endParaRPr lang="en-US" dirty="0" smtClean="0"/>
+            <a:endParaRPr lang="en-US" dirty="0"/>
           </a:p>
         </p:txBody>
       </p:sp>
@@ -3861,7 +3870,7 @@
           <a:lstStyle/>
           <a:p>
             <a:r>
-              <a:rPr lang="en-US" smtClean="0"/>
+              <a:rPr lang="en-US"/>
               <a:t>Slide Title</a:t>
             </a:r>
             <a:endParaRPr lang="en-US" dirty="0"/>
@@ -3884,103 +3893,101 @@
           <a:lstStyle/>
           <a:p>
             <a:r>
-              <a:rPr lang="en-US" smtClean="0"/>
+              <a:rPr lang="en-US" dirty="0"/>
               <a:t>Product A</a:t>
             </a:r>
+          </a:p>
+        </p:txBody>
+      </p:sp>
+      <p:sp>
+        <p:nvSpPr>
+          <p:cNvPr id="6" name="Content Placeholder 5"/>
+          <p:cNvSpPr>
+            <a:spLocks noGrp="1"/>
+          </p:cNvSpPr>
+          <p:nvPr>
+            <p:ph sz="half" idx="2"/>
+          </p:nvPr>
+        </p:nvSpPr>
+        <p:spPr/>
+        <p:txBody>
+          <a:bodyPr/>
+          <a:lstStyle/>
+          <a:p>
+            <a:r>
+              <a:rPr lang="en-US"/>
+              <a:t>Feature 1</a:t>
+            </a:r>
+          </a:p>
+          <a:p>
+            <a:r>
+              <a:rPr lang="en-US"/>
+              <a:t>Feature 2</a:t>
+            </a:r>
+          </a:p>
+          <a:p>
+            <a:r>
+              <a:rPr lang="en-US"/>
+              <a:t>Feature 3</a:t>
+            </a:r>
             <a:endParaRPr lang="en-US" dirty="0"/>
           </a:p>
         </p:txBody>
       </p:sp>
       <p:sp>
         <p:nvSpPr>
-          <p:cNvPr id="6" name="Content Placeholder 5"/>
-          <p:cNvSpPr>
-            <a:spLocks noGrp="1"/>
-          </p:cNvSpPr>
-          <p:nvPr>
-            <p:ph sz="half" idx="2"/>
-          </p:nvPr>
-        </p:nvSpPr>
-        <p:spPr/>
-        <p:txBody>
-          <a:bodyPr/>
-          <a:lstStyle/>
-          <a:p>
-            <a:r>
-              <a:rPr lang="en-US" smtClean="0"/>
+          <p:cNvPr id="7" name="Text Placeholder 6"/>
+          <p:cNvSpPr>
+            <a:spLocks noGrp="1"/>
+          </p:cNvSpPr>
+          <p:nvPr>
+            <p:ph type="body" sz="quarter" idx="3"/>
+          </p:nvPr>
+        </p:nvSpPr>
+        <p:spPr/>
+        <p:txBody>
+          <a:bodyPr/>
+          <a:lstStyle/>
+          <a:p>
+            <a:r>
+              <a:rPr lang="en-US"/>
+              <a:t>Product B</a:t>
+            </a:r>
+            <a:endParaRPr lang="en-US" dirty="0"/>
+          </a:p>
+        </p:txBody>
+      </p:sp>
+      <p:sp>
+        <p:nvSpPr>
+          <p:cNvPr id="8" name="Content Placeholder 7"/>
+          <p:cNvSpPr>
+            <a:spLocks noGrp="1"/>
+          </p:cNvSpPr>
+          <p:nvPr>
+            <p:ph sz="quarter" idx="4"/>
+          </p:nvPr>
+        </p:nvSpPr>
+        <p:spPr/>
+        <p:txBody>
+          <a:bodyPr/>
+          <a:lstStyle/>
+          <a:p>
+            <a:r>
+              <a:rPr lang="en-US"/>
               <a:t>Feature 1</a:t>
             </a:r>
           </a:p>
           <a:p>
             <a:r>
-              <a:rPr lang="en-US" smtClean="0"/>
+              <a:rPr lang="en-US"/>
               <a:t>Feature 2</a:t>
             </a:r>
           </a:p>
           <a:p>
             <a:r>
-              <a:rPr lang="en-US" smtClean="0"/>
+              <a:rPr lang="en-US"/>
               <a:t>Feature 3</a:t>
             </a:r>
-            <a:endParaRPr lang="en-US" dirty="0"/>
-          </a:p>
-        </p:txBody>
-      </p:sp>
-      <p:sp>
-        <p:nvSpPr>
-          <p:cNvPr id="7" name="Text Placeholder 6"/>
-          <p:cNvSpPr>
-            <a:spLocks noGrp="1"/>
-          </p:cNvSpPr>
-          <p:nvPr>
-            <p:ph type="body" sz="quarter" idx="3"/>
-          </p:nvPr>
-        </p:nvSpPr>
-        <p:spPr/>
-        <p:txBody>
-          <a:bodyPr/>
-          <a:lstStyle/>
-          <a:p>
-            <a:r>
-              <a:rPr lang="en-US" smtClean="0"/>
-              <a:t>Product B</a:t>
-            </a:r>
-            <a:endParaRPr lang="en-US" dirty="0"/>
-          </a:p>
-        </p:txBody>
-      </p:sp>
-      <p:sp>
-        <p:nvSpPr>
-          <p:cNvPr id="8" name="Content Placeholder 7"/>
-          <p:cNvSpPr>
-            <a:spLocks noGrp="1"/>
-          </p:cNvSpPr>
-          <p:nvPr>
-            <p:ph sz="quarter" idx="4"/>
-          </p:nvPr>
-        </p:nvSpPr>
-        <p:spPr/>
-        <p:txBody>
-          <a:bodyPr/>
-          <a:lstStyle/>
-          <a:p>
-            <a:r>
-              <a:rPr lang="en-US" smtClean="0"/>
-              <a:t>Feature 1</a:t>
-            </a:r>
-          </a:p>
-          <a:p>
-            <a:r>
-              <a:rPr lang="en-US" smtClean="0"/>
-              <a:t>Feature 2</a:t>
-            </a:r>
-          </a:p>
-          <a:p>
-            <a:r>
-              <a:rPr lang="en-US" smtClean="0"/>
-              <a:t>Feature 3</a:t>
-            </a:r>
-            <a:endParaRPr lang="en-US"/>
           </a:p>
         </p:txBody>
       </p:sp>
